--- a/DEL 3.pptx
+++ b/DEL 3.pptx
@@ -128,6 +128,11 @@
       </a:defRPr>
     </a:lvl9pPr>
   </p:defaultTextStyle>
+  <p:extLst>
+    <p:ext uri="{EFAFB233-063F-42B5-8137-9DF3F51BA10A}">
+      <p15:sldGuideLst xmlns:p15="http://schemas.microsoft.com/office/powerpoint/2012/main"/>
+    </p:ext>
+  </p:extLst>
 </p:presentation>
 </file>
 
@@ -10377,10 +10382,10 @@
       </p:sp>
       <p:pic>
         <p:nvPicPr>
-          <p:cNvPr id="4" name="Picture 3">
+          <p:cNvPr id="5" name="Picture 4">
             <a:extLst>
               <a:ext uri="{FF2B5EF4-FFF2-40B4-BE49-F238E27FC236}">
-                <a16:creationId xmlns:a16="http://schemas.microsoft.com/office/drawing/2014/main" id="{A89A0613-F088-4209-8C55-5EA240227DCA}"/>
+                <a16:creationId xmlns:a16="http://schemas.microsoft.com/office/drawing/2014/main" id="{2CF0FD14-4E23-4BD9-BA0D-523A650BAF5E}"/>
               </a:ext>
             </a:extLst>
           </p:cNvPr>
@@ -10397,8 +10402,8 @@
         </p:blipFill>
         <p:spPr>
           <a:xfrm>
-            <a:off x="379730" y="88900"/>
-            <a:ext cx="11493500" cy="6089539"/>
+            <a:off x="159129" y="0"/>
+            <a:ext cx="11934701" cy="6246600"/>
           </a:xfrm>
           <a:prstGeom prst="rect">
             <a:avLst/>

--- a/DEL 3.pptx
+++ b/DEL 3.pptx
@@ -18,10 +18,10 @@
     <p:sldId id="262" r:id="rId9"/>
     <p:sldId id="270" r:id="rId10"/>
     <p:sldId id="271" r:id="rId11"/>
-    <p:sldId id="275" r:id="rId12"/>
-    <p:sldId id="272" r:id="rId13"/>
-    <p:sldId id="273" r:id="rId14"/>
-    <p:sldId id="274" r:id="rId15"/>
+    <p:sldId id="272" r:id="rId12"/>
+    <p:sldId id="273" r:id="rId13"/>
+    <p:sldId id="274" r:id="rId14"/>
+    <p:sldId id="275" r:id="rId15"/>
     <p:sldId id="263" r:id="rId16"/>
     <p:sldId id="264" r:id="rId17"/>
     <p:sldId id="265" r:id="rId18"/>
@@ -8904,83 +8904,6 @@
           <a:chExt cx="0" cy="0"/>
         </a:xfrm>
       </p:grpSpPr>
-      <p:pic>
-        <p:nvPicPr>
-          <p:cNvPr id="5122" name="Picture 2" descr="https://i.groupme.com/1909x1380.png.77a78c69d89a4b63817952b2a903e689.large">
-            <a:extLst>
-              <a:ext uri="{FF2B5EF4-FFF2-40B4-BE49-F238E27FC236}">
-                <a16:creationId xmlns:a16="http://schemas.microsoft.com/office/drawing/2014/main" id="{952A55C0-5AAF-4B1F-B37D-15E24F20B149}"/>
-              </a:ext>
-            </a:extLst>
-          </p:cNvPr>
-          <p:cNvPicPr>
-            <a:picLocks noChangeAspect="1" noChangeArrowheads="1"/>
-          </p:cNvPicPr>
-          <p:nvPr/>
-        </p:nvPicPr>
-        <p:blipFill>
-          <a:blip r:embed="rId2">
-            <a:extLst>
-              <a:ext uri="{28A0092B-C50C-407E-A947-70E740481C1C}">
-                <a14:useLocalDpi xmlns:a14="http://schemas.microsoft.com/office/drawing/2010/main" val="0"/>
-              </a:ext>
-            </a:extLst>
-          </a:blip>
-          <a:srcRect/>
-          <a:stretch>
-            <a:fillRect/>
-          </a:stretch>
-        </p:blipFill>
-        <p:spPr bwMode="auto">
-          <a:xfrm>
-            <a:off x="1752600" y="0"/>
-            <a:ext cx="8559800" cy="6188022"/>
-          </a:xfrm>
-          <a:prstGeom prst="rect">
-            <a:avLst/>
-          </a:prstGeom>
-          <a:noFill/>
-          <a:extLst>
-            <a:ext uri="{909E8E84-426E-40DD-AFC4-6F175D3DCCD1}">
-              <a14:hiddenFill xmlns:a14="http://schemas.microsoft.com/office/drawing/2010/main">
-                <a:solidFill>
-                  <a:srgbClr val="FFFFFF"/>
-                </a:solidFill>
-              </a14:hiddenFill>
-            </a:ext>
-          </a:extLst>
-        </p:spPr>
-      </p:pic>
-    </p:spTree>
-    <p:extLst>
-      <p:ext uri="{BB962C8B-B14F-4D97-AF65-F5344CB8AC3E}">
-        <p14:creationId xmlns:p14="http://schemas.microsoft.com/office/powerpoint/2010/main" val="998574068"/>
-      </p:ext>
-    </p:extLst>
-  </p:cSld>
-  <p:clrMapOvr>
-    <a:masterClrMapping/>
-  </p:clrMapOvr>
-</p:sld>
-</file>
-
-<file path=ppt/slides/slide11.xml><?xml version="1.0" encoding="utf-8"?>
-<p:sld xmlns:a="http://schemas.openxmlformats.org/drawingml/2006/main" xmlns:r="http://schemas.openxmlformats.org/officeDocument/2006/relationships" xmlns:p="http://schemas.openxmlformats.org/presentationml/2006/main">
-  <p:cSld>
-    <p:spTree>
-      <p:nvGrpSpPr>
-        <p:cNvPr id="1" name=""/>
-        <p:cNvGrpSpPr/>
-        <p:nvPr/>
-      </p:nvGrpSpPr>
-      <p:grpSpPr>
-        <a:xfrm>
-          <a:off x="0" y="0"/>
-          <a:ext cx="0" cy="0"/>
-          <a:chOff x="0" y="0"/>
-          <a:chExt cx="0" cy="0"/>
-        </a:xfrm>
-      </p:grpSpPr>
       <p:sp>
         <p:nvSpPr>
           <p:cNvPr id="3" name="Content Placeholder 2">
@@ -9066,7 +8989,7 @@
 </p:sld>
 </file>
 
-<file path=ppt/slides/slide12.xml><?xml version="1.0" encoding="utf-8"?>
+<file path=ppt/slides/slide11.xml><?xml version="1.0" encoding="utf-8"?>
 <p:sld xmlns:a="http://schemas.openxmlformats.org/drawingml/2006/main" xmlns:r="http://schemas.openxmlformats.org/officeDocument/2006/relationships" xmlns:p="http://schemas.openxmlformats.org/presentationml/2006/main">
   <p:cSld>
     <p:spTree>
@@ -9143,7 +9066,7 @@
 </p:sld>
 </file>
 
-<file path=ppt/slides/slide13.xml><?xml version="1.0" encoding="utf-8"?>
+<file path=ppt/slides/slide12.xml><?xml version="1.0" encoding="utf-8"?>
 <p:sld xmlns:a="http://schemas.openxmlformats.org/drawingml/2006/main" xmlns:r="http://schemas.openxmlformats.org/officeDocument/2006/relationships" xmlns:p="http://schemas.openxmlformats.org/presentationml/2006/main">
   <p:cSld>
     <p:spTree>
@@ -9211,6 +9134,83 @@
     <p:extLst>
       <p:ext uri="{BB962C8B-B14F-4D97-AF65-F5344CB8AC3E}">
         <p14:creationId xmlns:p14="http://schemas.microsoft.com/office/powerpoint/2010/main" val="3345255994"/>
+      </p:ext>
+    </p:extLst>
+  </p:cSld>
+  <p:clrMapOvr>
+    <a:masterClrMapping/>
+  </p:clrMapOvr>
+</p:sld>
+</file>
+
+<file path=ppt/slides/slide13.xml><?xml version="1.0" encoding="utf-8"?>
+<p:sld xmlns:a="http://schemas.openxmlformats.org/drawingml/2006/main" xmlns:r="http://schemas.openxmlformats.org/officeDocument/2006/relationships" xmlns:p="http://schemas.openxmlformats.org/presentationml/2006/main">
+  <p:cSld>
+    <p:spTree>
+      <p:nvGrpSpPr>
+        <p:cNvPr id="1" name=""/>
+        <p:cNvGrpSpPr/>
+        <p:nvPr/>
+      </p:nvGrpSpPr>
+      <p:grpSpPr>
+        <a:xfrm>
+          <a:off x="0" y="0"/>
+          <a:ext cx="0" cy="0"/>
+          <a:chOff x="0" y="0"/>
+          <a:chExt cx="0" cy="0"/>
+        </a:xfrm>
+      </p:grpSpPr>
+      <p:pic>
+        <p:nvPicPr>
+          <p:cNvPr id="5122" name="Picture 2" descr="https://i.groupme.com/1909x1380.png.77a78c69d89a4b63817952b2a903e689.large">
+            <a:extLst>
+              <a:ext uri="{FF2B5EF4-FFF2-40B4-BE49-F238E27FC236}">
+                <a16:creationId xmlns:a16="http://schemas.microsoft.com/office/drawing/2014/main" id="{952A55C0-5AAF-4B1F-B37D-15E24F20B149}"/>
+              </a:ext>
+            </a:extLst>
+          </p:cNvPr>
+          <p:cNvPicPr>
+            <a:picLocks noChangeAspect="1" noChangeArrowheads="1"/>
+          </p:cNvPicPr>
+          <p:nvPr/>
+        </p:nvPicPr>
+        <p:blipFill>
+          <a:blip r:embed="rId2">
+            <a:extLst>
+              <a:ext uri="{28A0092B-C50C-407E-A947-70E740481C1C}">
+                <a14:useLocalDpi xmlns:a14="http://schemas.microsoft.com/office/drawing/2010/main" val="0"/>
+              </a:ext>
+            </a:extLst>
+          </a:blip>
+          <a:srcRect/>
+          <a:stretch>
+            <a:fillRect/>
+          </a:stretch>
+        </p:blipFill>
+        <p:spPr bwMode="auto">
+          <a:xfrm>
+            <a:off x="1752600" y="0"/>
+            <a:ext cx="8559800" cy="6188022"/>
+          </a:xfrm>
+          <a:prstGeom prst="rect">
+            <a:avLst/>
+          </a:prstGeom>
+          <a:noFill/>
+          <a:extLst>
+            <a:ext uri="{909E8E84-426E-40DD-AFC4-6F175D3DCCD1}">
+              <a14:hiddenFill xmlns:a14="http://schemas.microsoft.com/office/drawing/2010/main">
+                <a:solidFill>
+                  <a:srgbClr val="FFFFFF"/>
+                </a:solidFill>
+              </a14:hiddenFill>
+            </a:ext>
+          </a:extLst>
+        </p:spPr>
+      </p:pic>
+    </p:spTree>
+    <p:extLst>
+      <p:ext uri="{BB962C8B-B14F-4D97-AF65-F5344CB8AC3E}">
+        <p14:creationId xmlns:p14="http://schemas.microsoft.com/office/powerpoint/2010/main" val="998574068"/>
       </p:ext>
     </p:extLst>
   </p:cSld>
